--- a/video_editor/rotate.pptx
+++ b/video_editor/rotate.pptx
@@ -244,7 +244,7 @@
           <a:p>
             <a:fld id="{189D2E0B-6622-4CF2-8878-027E0F4FD8BE}" type="datetimeFigureOut">
               <a:rPr lang="ko-KR" altLang="en-US" smtClean="0"/>
-              <a:t>2024-06-07</a:t>
+              <a:t>2024-06-10</a:t>
             </a:fld>
             <a:endParaRPr lang="ko-KR" altLang="en-US"/>
           </a:p>
@@ -414,7 +414,7 @@
           <a:p>
             <a:fld id="{189D2E0B-6622-4CF2-8878-027E0F4FD8BE}" type="datetimeFigureOut">
               <a:rPr lang="ko-KR" altLang="en-US" smtClean="0"/>
-              <a:t>2024-06-07</a:t>
+              <a:t>2024-06-10</a:t>
             </a:fld>
             <a:endParaRPr lang="ko-KR" altLang="en-US"/>
           </a:p>
@@ -594,7 +594,7 @@
           <a:p>
             <a:fld id="{189D2E0B-6622-4CF2-8878-027E0F4FD8BE}" type="datetimeFigureOut">
               <a:rPr lang="ko-KR" altLang="en-US" smtClean="0"/>
-              <a:t>2024-06-07</a:t>
+              <a:t>2024-06-10</a:t>
             </a:fld>
             <a:endParaRPr lang="ko-KR" altLang="en-US"/>
           </a:p>
@@ -764,7 +764,7 @@
           <a:p>
             <a:fld id="{189D2E0B-6622-4CF2-8878-027E0F4FD8BE}" type="datetimeFigureOut">
               <a:rPr lang="ko-KR" altLang="en-US" smtClean="0"/>
-              <a:t>2024-06-07</a:t>
+              <a:t>2024-06-10</a:t>
             </a:fld>
             <a:endParaRPr lang="ko-KR" altLang="en-US"/>
           </a:p>
@@ -1010,7 +1010,7 @@
           <a:p>
             <a:fld id="{189D2E0B-6622-4CF2-8878-027E0F4FD8BE}" type="datetimeFigureOut">
               <a:rPr lang="ko-KR" altLang="en-US" smtClean="0"/>
-              <a:t>2024-06-07</a:t>
+              <a:t>2024-06-10</a:t>
             </a:fld>
             <a:endParaRPr lang="ko-KR" altLang="en-US"/>
           </a:p>
@@ -1242,7 +1242,7 @@
           <a:p>
             <a:fld id="{189D2E0B-6622-4CF2-8878-027E0F4FD8BE}" type="datetimeFigureOut">
               <a:rPr lang="ko-KR" altLang="en-US" smtClean="0"/>
-              <a:t>2024-06-07</a:t>
+              <a:t>2024-06-10</a:t>
             </a:fld>
             <a:endParaRPr lang="ko-KR" altLang="en-US"/>
           </a:p>
@@ -1609,7 +1609,7 @@
           <a:p>
             <a:fld id="{189D2E0B-6622-4CF2-8878-027E0F4FD8BE}" type="datetimeFigureOut">
               <a:rPr lang="ko-KR" altLang="en-US" smtClean="0"/>
-              <a:t>2024-06-07</a:t>
+              <a:t>2024-06-10</a:t>
             </a:fld>
             <a:endParaRPr lang="ko-KR" altLang="en-US"/>
           </a:p>
@@ -1727,7 +1727,7 @@
           <a:p>
             <a:fld id="{189D2E0B-6622-4CF2-8878-027E0F4FD8BE}" type="datetimeFigureOut">
               <a:rPr lang="ko-KR" altLang="en-US" smtClean="0"/>
-              <a:t>2024-06-07</a:t>
+              <a:t>2024-06-10</a:t>
             </a:fld>
             <a:endParaRPr lang="ko-KR" altLang="en-US"/>
           </a:p>
@@ -1822,7 +1822,7 @@
           <a:p>
             <a:fld id="{189D2E0B-6622-4CF2-8878-027E0F4FD8BE}" type="datetimeFigureOut">
               <a:rPr lang="ko-KR" altLang="en-US" smtClean="0"/>
-              <a:t>2024-06-07</a:t>
+              <a:t>2024-06-10</a:t>
             </a:fld>
             <a:endParaRPr lang="ko-KR" altLang="en-US"/>
           </a:p>
@@ -2099,7 +2099,7 @@
           <a:p>
             <a:fld id="{189D2E0B-6622-4CF2-8878-027E0F4FD8BE}" type="datetimeFigureOut">
               <a:rPr lang="ko-KR" altLang="en-US" smtClean="0"/>
-              <a:t>2024-06-07</a:t>
+              <a:t>2024-06-10</a:t>
             </a:fld>
             <a:endParaRPr lang="ko-KR" altLang="en-US"/>
           </a:p>
@@ -2352,7 +2352,7 @@
           <a:p>
             <a:fld id="{189D2E0B-6622-4CF2-8878-027E0F4FD8BE}" type="datetimeFigureOut">
               <a:rPr lang="ko-KR" altLang="en-US" smtClean="0"/>
-              <a:t>2024-06-07</a:t>
+              <a:t>2024-06-10</a:t>
             </a:fld>
             <a:endParaRPr lang="ko-KR" altLang="en-US"/>
           </a:p>
@@ -2565,7 +2565,7 @@
           <a:p>
             <a:fld id="{189D2E0B-6622-4CF2-8878-027E0F4FD8BE}" type="datetimeFigureOut">
               <a:rPr lang="ko-KR" altLang="en-US" smtClean="0"/>
-              <a:t>2024-06-07</a:t>
+              <a:t>2024-06-10</a:t>
             </a:fld>
             <a:endParaRPr lang="ko-KR" altLang="en-US"/>
           </a:p>
@@ -3727,6 +3727,52 @@
           </a:p>
         </p:txBody>
       </p:sp>
+      <p:sp>
+        <p:nvSpPr>
+          <p:cNvPr id="3" name="직사각형 2"/>
+          <p:cNvSpPr/>
+          <p:nvPr/>
+        </p:nvSpPr>
+        <p:spPr>
+          <a:xfrm>
+            <a:off x="3644900" y="807532"/>
+            <a:ext cx="4817699" cy="3976503"/>
+          </a:xfrm>
+          <a:prstGeom prst="rect">
+            <a:avLst/>
+          </a:prstGeom>
+          <a:noFill/>
+          <a:ln cmpd="sng">
+            <a:solidFill>
+              <a:srgbClr val="FFFF00"/>
+            </a:solidFill>
+          </a:ln>
+        </p:spPr>
+        <p:style>
+          <a:lnRef idx="2">
+            <a:schemeClr val="accent1">
+              <a:shade val="50000"/>
+            </a:schemeClr>
+          </a:lnRef>
+          <a:fillRef idx="1">
+            <a:schemeClr val="accent1"/>
+          </a:fillRef>
+          <a:effectRef idx="0">
+            <a:schemeClr val="accent1"/>
+          </a:effectRef>
+          <a:fontRef idx="minor">
+            <a:schemeClr val="lt1"/>
+          </a:fontRef>
+        </p:style>
+        <p:txBody>
+          <a:bodyPr rtlCol="0" anchor="ctr"/>
+          <a:lstStyle/>
+          <a:p>
+            <a:pPr algn="ctr"/>
+            <a:endParaRPr lang="ko-KR" altLang="en-US"/>
+          </a:p>
+        </p:txBody>
+      </p:sp>
     </p:spTree>
     <p:extLst>
       <p:ext uri="{BB962C8B-B14F-4D97-AF65-F5344CB8AC3E}">

--- a/video_editor/rotate.pptx
+++ b/video_editor/rotate.pptx
@@ -7,6 +7,7 @@
   <p:sldIdLst>
     <p:sldId id="257" r:id="rId2"/>
     <p:sldId id="258" r:id="rId3"/>
+    <p:sldId id="259" r:id="rId4"/>
   </p:sldIdLst>
   <p:sldSz cx="12192000" cy="6858000"/>
   <p:notesSz cx="6858000" cy="9144000"/>
@@ -244,7 +245,7 @@
           <a:p>
             <a:fld id="{189D2E0B-6622-4CF2-8878-027E0F4FD8BE}" type="datetimeFigureOut">
               <a:rPr lang="ko-KR" altLang="en-US" smtClean="0"/>
-              <a:t>2024-06-10</a:t>
+              <a:t>2024-06-12</a:t>
             </a:fld>
             <a:endParaRPr lang="ko-KR" altLang="en-US"/>
           </a:p>
@@ -414,7 +415,7 @@
           <a:p>
             <a:fld id="{189D2E0B-6622-4CF2-8878-027E0F4FD8BE}" type="datetimeFigureOut">
               <a:rPr lang="ko-KR" altLang="en-US" smtClean="0"/>
-              <a:t>2024-06-10</a:t>
+              <a:t>2024-06-12</a:t>
             </a:fld>
             <a:endParaRPr lang="ko-KR" altLang="en-US"/>
           </a:p>
@@ -594,7 +595,7 @@
           <a:p>
             <a:fld id="{189D2E0B-6622-4CF2-8878-027E0F4FD8BE}" type="datetimeFigureOut">
               <a:rPr lang="ko-KR" altLang="en-US" smtClean="0"/>
-              <a:t>2024-06-10</a:t>
+              <a:t>2024-06-12</a:t>
             </a:fld>
             <a:endParaRPr lang="ko-KR" altLang="en-US"/>
           </a:p>
@@ -764,7 +765,7 @@
           <a:p>
             <a:fld id="{189D2E0B-6622-4CF2-8878-027E0F4FD8BE}" type="datetimeFigureOut">
               <a:rPr lang="ko-KR" altLang="en-US" smtClean="0"/>
-              <a:t>2024-06-10</a:t>
+              <a:t>2024-06-12</a:t>
             </a:fld>
             <a:endParaRPr lang="ko-KR" altLang="en-US"/>
           </a:p>
@@ -1010,7 +1011,7 @@
           <a:p>
             <a:fld id="{189D2E0B-6622-4CF2-8878-027E0F4FD8BE}" type="datetimeFigureOut">
               <a:rPr lang="ko-KR" altLang="en-US" smtClean="0"/>
-              <a:t>2024-06-10</a:t>
+              <a:t>2024-06-12</a:t>
             </a:fld>
             <a:endParaRPr lang="ko-KR" altLang="en-US"/>
           </a:p>
@@ -1242,7 +1243,7 @@
           <a:p>
             <a:fld id="{189D2E0B-6622-4CF2-8878-027E0F4FD8BE}" type="datetimeFigureOut">
               <a:rPr lang="ko-KR" altLang="en-US" smtClean="0"/>
-              <a:t>2024-06-10</a:t>
+              <a:t>2024-06-12</a:t>
             </a:fld>
             <a:endParaRPr lang="ko-KR" altLang="en-US"/>
           </a:p>
@@ -1609,7 +1610,7 @@
           <a:p>
             <a:fld id="{189D2E0B-6622-4CF2-8878-027E0F4FD8BE}" type="datetimeFigureOut">
               <a:rPr lang="ko-KR" altLang="en-US" smtClean="0"/>
-              <a:t>2024-06-10</a:t>
+              <a:t>2024-06-12</a:t>
             </a:fld>
             <a:endParaRPr lang="ko-KR" altLang="en-US"/>
           </a:p>
@@ -1727,7 +1728,7 @@
           <a:p>
             <a:fld id="{189D2E0B-6622-4CF2-8878-027E0F4FD8BE}" type="datetimeFigureOut">
               <a:rPr lang="ko-KR" altLang="en-US" smtClean="0"/>
-              <a:t>2024-06-10</a:t>
+              <a:t>2024-06-12</a:t>
             </a:fld>
             <a:endParaRPr lang="ko-KR" altLang="en-US"/>
           </a:p>
@@ -1822,7 +1823,7 @@
           <a:p>
             <a:fld id="{189D2E0B-6622-4CF2-8878-027E0F4FD8BE}" type="datetimeFigureOut">
               <a:rPr lang="ko-KR" altLang="en-US" smtClean="0"/>
-              <a:t>2024-06-10</a:t>
+              <a:t>2024-06-12</a:t>
             </a:fld>
             <a:endParaRPr lang="ko-KR" altLang="en-US"/>
           </a:p>
@@ -2099,7 +2100,7 @@
           <a:p>
             <a:fld id="{189D2E0B-6622-4CF2-8878-027E0F4FD8BE}" type="datetimeFigureOut">
               <a:rPr lang="ko-KR" altLang="en-US" smtClean="0"/>
-              <a:t>2024-06-10</a:t>
+              <a:t>2024-06-12</a:t>
             </a:fld>
             <a:endParaRPr lang="ko-KR" altLang="en-US"/>
           </a:p>
@@ -2352,7 +2353,7 @@
           <a:p>
             <a:fld id="{189D2E0B-6622-4CF2-8878-027E0F4FD8BE}" type="datetimeFigureOut">
               <a:rPr lang="ko-KR" altLang="en-US" smtClean="0"/>
-              <a:t>2024-06-10</a:t>
+              <a:t>2024-06-12</a:t>
             </a:fld>
             <a:endParaRPr lang="ko-KR" altLang="en-US"/>
           </a:p>
@@ -2565,7 +2566,7 @@
           <a:p>
             <a:fld id="{189D2E0B-6622-4CF2-8878-027E0F4FD8BE}" type="datetimeFigureOut">
               <a:rPr lang="ko-KR" altLang="en-US" smtClean="0"/>
-              <a:t>2024-06-10</a:t>
+              <a:t>2024-06-12</a:t>
             </a:fld>
             <a:endParaRPr lang="ko-KR" altLang="en-US"/>
           </a:p>
@@ -4482,6 +4483,405 @@
 </p:sld>
 </file>
 
+<file path=ppt/slides/slide3.xml><?xml version="1.0" encoding="utf-8"?>
+<p:sld xmlns:a="http://schemas.openxmlformats.org/drawingml/2006/main" xmlns:r="http://schemas.openxmlformats.org/officeDocument/2006/relationships" xmlns:p="http://schemas.openxmlformats.org/presentationml/2006/main">
+  <p:cSld>
+    <p:spTree>
+      <p:nvGrpSpPr>
+        <p:cNvPr id="1" name=""/>
+        <p:cNvGrpSpPr/>
+        <p:nvPr/>
+      </p:nvGrpSpPr>
+      <p:grpSpPr>
+        <a:xfrm>
+          <a:off x="0" y="0"/>
+          <a:ext cx="0" cy="0"/>
+          <a:chOff x="0" y="0"/>
+          <a:chExt cx="0" cy="0"/>
+        </a:xfrm>
+      </p:grpSpPr>
+      <p:cxnSp>
+        <p:nvCxnSpPr>
+          <p:cNvPr id="3" name="직선 연결선 2"/>
+          <p:cNvCxnSpPr/>
+          <p:nvPr/>
+        </p:nvCxnSpPr>
+        <p:spPr>
+          <a:xfrm flipV="1">
+            <a:off x="1604356" y="2053244"/>
+            <a:ext cx="8138160" cy="16625"/>
+          </a:xfrm>
+          <a:prstGeom prst="line">
+            <a:avLst/>
+          </a:prstGeom>
+        </p:spPr>
+        <p:style>
+          <a:lnRef idx="1">
+            <a:schemeClr val="accent1"/>
+          </a:lnRef>
+          <a:fillRef idx="0">
+            <a:schemeClr val="accent1"/>
+          </a:fillRef>
+          <a:effectRef idx="0">
+            <a:schemeClr val="accent1"/>
+          </a:effectRef>
+          <a:fontRef idx="minor">
+            <a:schemeClr val="tx1"/>
+          </a:fontRef>
+        </p:style>
+      </p:cxnSp>
+      <p:cxnSp>
+        <p:nvCxnSpPr>
+          <p:cNvPr id="4" name="직선 연결선 3"/>
+          <p:cNvCxnSpPr/>
+          <p:nvPr/>
+        </p:nvCxnSpPr>
+        <p:spPr>
+          <a:xfrm flipV="1">
+            <a:off x="1604356" y="3485804"/>
+            <a:ext cx="8138160" cy="16625"/>
+          </a:xfrm>
+          <a:prstGeom prst="line">
+            <a:avLst/>
+          </a:prstGeom>
+        </p:spPr>
+        <p:style>
+          <a:lnRef idx="1">
+            <a:schemeClr val="accent1"/>
+          </a:lnRef>
+          <a:fillRef idx="0">
+            <a:schemeClr val="accent1"/>
+          </a:fillRef>
+          <a:effectRef idx="0">
+            <a:schemeClr val="accent1"/>
+          </a:effectRef>
+          <a:fontRef idx="minor">
+            <a:schemeClr val="tx1"/>
+          </a:fontRef>
+        </p:style>
+      </p:cxnSp>
+      <p:cxnSp>
+        <p:nvCxnSpPr>
+          <p:cNvPr id="6" name="직선 연결선 5"/>
+          <p:cNvCxnSpPr/>
+          <p:nvPr/>
+        </p:nvCxnSpPr>
+        <p:spPr>
+          <a:xfrm>
+            <a:off x="4172989" y="1130531"/>
+            <a:ext cx="16626" cy="3840480"/>
+          </a:xfrm>
+          <a:prstGeom prst="line">
+            <a:avLst/>
+          </a:prstGeom>
+        </p:spPr>
+        <p:style>
+          <a:lnRef idx="1">
+            <a:schemeClr val="accent1"/>
+          </a:lnRef>
+          <a:fillRef idx="0">
+            <a:schemeClr val="accent1"/>
+          </a:fillRef>
+          <a:effectRef idx="0">
+            <a:schemeClr val="accent1"/>
+          </a:effectRef>
+          <a:fontRef idx="minor">
+            <a:schemeClr val="tx1"/>
+          </a:fontRef>
+        </p:style>
+      </p:cxnSp>
+      <p:cxnSp>
+        <p:nvCxnSpPr>
+          <p:cNvPr id="7" name="직선 연결선 6"/>
+          <p:cNvCxnSpPr/>
+          <p:nvPr/>
+        </p:nvCxnSpPr>
+        <p:spPr>
+          <a:xfrm>
+            <a:off x="7583978" y="1130531"/>
+            <a:ext cx="16626" cy="3840480"/>
+          </a:xfrm>
+          <a:prstGeom prst="line">
+            <a:avLst/>
+          </a:prstGeom>
+        </p:spPr>
+        <p:style>
+          <a:lnRef idx="1">
+            <a:schemeClr val="accent1"/>
+          </a:lnRef>
+          <a:fillRef idx="0">
+            <a:schemeClr val="accent1"/>
+          </a:fillRef>
+          <a:effectRef idx="0">
+            <a:schemeClr val="accent1"/>
+          </a:effectRef>
+          <a:fontRef idx="minor">
+            <a:schemeClr val="tx1"/>
+          </a:fontRef>
+        </p:style>
+      </p:cxnSp>
+      <p:sp>
+        <p:nvSpPr>
+          <p:cNvPr id="8" name="TextBox 7"/>
+          <p:cNvSpPr txBox="1"/>
+          <p:nvPr/>
+        </p:nvSpPr>
+        <p:spPr>
+          <a:xfrm>
+            <a:off x="1404851" y="1371599"/>
+            <a:ext cx="489236" cy="369332"/>
+          </a:xfrm>
+          <a:prstGeom prst="rect">
+            <a:avLst/>
+          </a:prstGeom>
+          <a:noFill/>
+        </p:spPr>
+        <p:txBody>
+          <a:bodyPr wrap="none" rtlCol="0">
+            <a:spAutoFit/>
+          </a:bodyPr>
+          <a:lstStyle/>
+          <a:p>
+            <a:r>
+              <a:rPr lang="en-US" altLang="ko-KR" smtClean="0"/>
+              <a:t>0,0</a:t>
+            </a:r>
+          </a:p>
+        </p:txBody>
+      </p:sp>
+      <p:sp>
+        <p:nvSpPr>
+          <p:cNvPr id="9" name="TextBox 8"/>
+          <p:cNvSpPr txBox="1"/>
+          <p:nvPr/>
+        </p:nvSpPr>
+        <p:spPr>
+          <a:xfrm>
+            <a:off x="4375266" y="1428000"/>
+            <a:ext cx="489236" cy="369332"/>
+          </a:xfrm>
+          <a:prstGeom prst="rect">
+            <a:avLst/>
+          </a:prstGeom>
+          <a:noFill/>
+        </p:spPr>
+        <p:txBody>
+          <a:bodyPr wrap="none" rtlCol="0">
+            <a:spAutoFit/>
+          </a:bodyPr>
+          <a:lstStyle/>
+          <a:p>
+            <a:r>
+              <a:rPr lang="en-US" altLang="ko-KR" dirty="0" smtClean="0"/>
+              <a:t>1,2</a:t>
+            </a:r>
+          </a:p>
+        </p:txBody>
+      </p:sp>
+      <p:sp>
+        <p:nvSpPr>
+          <p:cNvPr id="10" name="TextBox 9"/>
+          <p:cNvSpPr txBox="1"/>
+          <p:nvPr/>
+        </p:nvSpPr>
+        <p:spPr>
+          <a:xfrm>
+            <a:off x="4023360" y="637309"/>
+            <a:ext cx="902811" cy="369332"/>
+          </a:xfrm>
+          <a:prstGeom prst="rect">
+            <a:avLst/>
+          </a:prstGeom>
+          <a:noFill/>
+        </p:spPr>
+        <p:txBody>
+          <a:bodyPr wrap="none" rtlCol="0">
+            <a:spAutoFit/>
+          </a:bodyPr>
+          <a:lstStyle/>
+          <a:p>
+            <a:r>
+              <a:rPr lang="en-US" altLang="ko-KR" dirty="0" smtClean="0"/>
+              <a:t>0, 5sec</a:t>
+            </a:r>
+            <a:endParaRPr lang="ko-KR" altLang="en-US" dirty="0"/>
+          </a:p>
+        </p:txBody>
+      </p:sp>
+      <p:sp>
+        <p:nvSpPr>
+          <p:cNvPr id="11" name="TextBox 10"/>
+          <p:cNvSpPr txBox="1"/>
+          <p:nvPr/>
+        </p:nvSpPr>
+        <p:spPr>
+          <a:xfrm>
+            <a:off x="7279041" y="637309"/>
+            <a:ext cx="1029449" cy="369332"/>
+          </a:xfrm>
+          <a:prstGeom prst="rect">
+            <a:avLst/>
+          </a:prstGeom>
+          <a:noFill/>
+        </p:spPr>
+        <p:txBody>
+          <a:bodyPr wrap="none" rtlCol="0">
+            <a:spAutoFit/>
+          </a:bodyPr>
+          <a:lstStyle/>
+          <a:p>
+            <a:r>
+              <a:rPr lang="en-US" altLang="ko-KR" dirty="0" smtClean="0"/>
+              <a:t>1, 10sec</a:t>
+            </a:r>
+            <a:endParaRPr lang="ko-KR" altLang="en-US" dirty="0"/>
+          </a:p>
+        </p:txBody>
+      </p:sp>
+      <p:cxnSp>
+        <p:nvCxnSpPr>
+          <p:cNvPr id="13" name="직선 화살표 연결선 12"/>
+          <p:cNvCxnSpPr/>
+          <p:nvPr/>
+        </p:nvCxnSpPr>
+        <p:spPr>
+          <a:xfrm>
+            <a:off x="5087389" y="1637607"/>
+            <a:ext cx="1670859" cy="8313"/>
+          </a:xfrm>
+          <a:prstGeom prst="straightConnector1">
+            <a:avLst/>
+          </a:prstGeom>
+          <a:ln>
+            <a:tailEnd type="triangle"/>
+          </a:ln>
+        </p:spPr>
+        <p:style>
+          <a:lnRef idx="1">
+            <a:schemeClr val="accent1"/>
+          </a:lnRef>
+          <a:fillRef idx="0">
+            <a:schemeClr val="accent1"/>
+          </a:fillRef>
+          <a:effectRef idx="0">
+            <a:schemeClr val="accent1"/>
+          </a:effectRef>
+          <a:fontRef idx="minor">
+            <a:schemeClr val="tx1"/>
+          </a:fontRef>
+        </p:style>
+      </p:cxnSp>
+      <p:sp>
+        <p:nvSpPr>
+          <p:cNvPr id="14" name="TextBox 13"/>
+          <p:cNvSpPr txBox="1"/>
+          <p:nvPr/>
+        </p:nvSpPr>
+        <p:spPr>
+          <a:xfrm>
+            <a:off x="4344922" y="1169323"/>
+            <a:ext cx="923586" cy="369332"/>
+          </a:xfrm>
+          <a:prstGeom prst="rect">
+            <a:avLst/>
+          </a:prstGeom>
+          <a:noFill/>
+        </p:spPr>
+        <p:txBody>
+          <a:bodyPr wrap="none" rtlCol="0">
+            <a:spAutoFit/>
+          </a:bodyPr>
+          <a:lstStyle/>
+          <a:p>
+            <a:r>
+              <a:rPr lang="en-US" altLang="ko-KR" dirty="0" smtClean="0"/>
+              <a:t>current</a:t>
+            </a:r>
+            <a:endParaRPr lang="ko-KR" altLang="en-US" dirty="0"/>
+          </a:p>
+        </p:txBody>
+      </p:sp>
+      <p:sp>
+        <p:nvSpPr>
+          <p:cNvPr id="15" name="TextBox 14"/>
+          <p:cNvSpPr txBox="1"/>
+          <p:nvPr/>
+        </p:nvSpPr>
+        <p:spPr>
+          <a:xfrm>
+            <a:off x="4264427" y="5283324"/>
+            <a:ext cx="1725152" cy="369332"/>
+          </a:xfrm>
+          <a:prstGeom prst="rect">
+            <a:avLst/>
+          </a:prstGeom>
+          <a:noFill/>
+        </p:spPr>
+        <p:txBody>
+          <a:bodyPr wrap="none" rtlCol="0">
+            <a:spAutoFit/>
+          </a:bodyPr>
+          <a:lstStyle/>
+          <a:p>
+            <a:r>
+              <a:rPr lang="en-US" altLang="ko-KR" dirty="0" err="1" smtClean="0"/>
+              <a:t>sclip_list</a:t>
+            </a:r>
+            <a:r>
+              <a:rPr lang="en-US" altLang="ko-KR" dirty="0" smtClean="0"/>
+              <a:t> = [s0]</a:t>
+            </a:r>
+            <a:endParaRPr lang="ko-KR" altLang="en-US" dirty="0"/>
+          </a:p>
+        </p:txBody>
+      </p:sp>
+      <p:sp>
+        <p:nvSpPr>
+          <p:cNvPr id="16" name="TextBox 15"/>
+          <p:cNvSpPr txBox="1"/>
+          <p:nvPr/>
+        </p:nvSpPr>
+        <p:spPr>
+          <a:xfrm>
+            <a:off x="1748441" y="5283324"/>
+            <a:ext cx="1499128" cy="369332"/>
+          </a:xfrm>
+          <a:prstGeom prst="rect">
+            <a:avLst/>
+          </a:prstGeom>
+          <a:noFill/>
+        </p:spPr>
+        <p:txBody>
+          <a:bodyPr wrap="none" rtlCol="0">
+            <a:spAutoFit/>
+          </a:bodyPr>
+          <a:lstStyle/>
+          <a:p>
+            <a:r>
+              <a:rPr lang="en-US" altLang="ko-KR" dirty="0" err="1" smtClean="0"/>
+              <a:t>sclip_list</a:t>
+            </a:r>
+            <a:r>
+              <a:rPr lang="en-US" altLang="ko-KR" dirty="0" smtClean="0"/>
+              <a:t> = []</a:t>
+            </a:r>
+            <a:endParaRPr lang="ko-KR" altLang="en-US" dirty="0"/>
+          </a:p>
+        </p:txBody>
+      </p:sp>
+    </p:spTree>
+    <p:extLst>
+      <p:ext uri="{BB962C8B-B14F-4D97-AF65-F5344CB8AC3E}">
+        <p14:creationId xmlns:p14="http://schemas.microsoft.com/office/powerpoint/2010/main" val="3597076908"/>
+      </p:ext>
+    </p:extLst>
+  </p:cSld>
+  <p:clrMapOvr>
+    <a:masterClrMapping/>
+  </p:clrMapOvr>
+</p:sld>
+</file>
+
 <file path=ppt/theme/theme1.xml><?xml version="1.0" encoding="utf-8"?>
 <a:theme xmlns:a="http://schemas.openxmlformats.org/drawingml/2006/main" name="Office 테마">
   <a:themeElements>
